--- a/trial-paper-sp025/c3/questions.pptx
+++ b/trial-paper-sp025/c3/questions.pptx
@@ -5,10 +5,16 @@
     <p:sldMasterId id="2147483660" r:id="rId1"/>
   </p:sldMasterIdLst>
   <p:notesMasterIdLst>
-    <p:notesMasterId r:id="rId3"/>
+    <p:notesMasterId r:id="rId9"/>
   </p:notesMasterIdLst>
   <p:sldIdLst>
     <p:sldId id="256" r:id="rId2"/>
+    <p:sldId id="257" r:id="rId3"/>
+    <p:sldId id="258" r:id="rId4"/>
+    <p:sldId id="259" r:id="rId5"/>
+    <p:sldId id="260" r:id="rId6"/>
+    <p:sldId id="261" r:id="rId7"/>
+    <p:sldId id="262" r:id="rId8"/>
   </p:sldIdLst>
   <p:sldSz cx="9906000" cy="6858000" type="A4"/>
   <p:notesSz cx="6858000" cy="9144000"/>
@@ -197,7 +203,7 @@
           <a:p>
             <a:fld id="{96402851-33C0-4232-B698-3821E8FFBB2B}" type="datetimeFigureOut">
               <a:rPr lang="en-MY" smtClean="0"/>
-              <a:t>21/3/2025</a:t>
+              <a:t>24/3/2025</a:t>
             </a:fld>
             <a:endParaRPr lang="en-MY"/>
           </a:p>
@@ -515,6 +521,237 @@
                   <a:rPr lang="en-US" dirty="0"/>
                   <a:t>[</a:t>
                 </a:r>
+                <a14:m>
+                  <m:oMath xmlns:m="http://schemas.openxmlformats.org/officeDocument/2006/math">
+                    <m:r>
+                      <a:rPr lang="en-US" b="0" i="1" smtClean="0">
+                        <a:latin typeface="Cambria Math" panose="02040503050406030204" pitchFamily="18" charset="0"/>
+                      </a:rPr>
+                      <m:t>26.17</m:t>
+                    </m:r>
+                    <m:r>
+                      <m:rPr>
+                        <m:sty m:val="p"/>
+                      </m:rPr>
+                      <a:rPr lang="en-US" b="0" i="0" smtClean="0">
+                        <a:latin typeface="Cambria Math" panose="02040503050406030204" pitchFamily="18" charset="0"/>
+                      </a:rPr>
+                      <m:t>Ω</m:t>
+                    </m:r>
+                  </m:oMath>
+                </a14:m>
+                <a:r>
+                  <a:rPr lang="en-US" dirty="0"/>
+                  <a:t>, 5.73V]</a:t>
+                </a:r>
+              </a:p>
+              <a:p>
+                <a:r>
+                  <a:rPr lang="en-US" dirty="0"/>
+                  <a:t>[</a:t>
+                </a:r>
+                <a14:m>
+                  <m:oMath xmlns:m="http://schemas.openxmlformats.org/officeDocument/2006/math">
+                    <m:sSup>
+                      <m:sSupPr>
+                        <m:ctrlPr>
+                          <a:rPr lang="en-US" i="1" dirty="0" smtClean="0">
+                            <a:latin typeface="Cambria Math" panose="02040503050406030204" pitchFamily="18" charset="0"/>
+                          </a:rPr>
+                        </m:ctrlPr>
+                      </m:sSupPr>
+                      <m:e>
+                        <m:r>
+                          <a:rPr lang="en-US" i="1" dirty="0" smtClean="0">
+                            <a:latin typeface="Cambria Math" panose="02040503050406030204" pitchFamily="18" charset="0"/>
+                          </a:rPr>
+                          <m:t>281.43</m:t>
+                        </m:r>
+                      </m:e>
+                      <m:sup>
+                        <m:r>
+                          <a:rPr lang="en-US" i="1" dirty="0" smtClean="0">
+                            <a:latin typeface="Cambria Math" panose="02040503050406030204" pitchFamily="18" charset="0"/>
+                          </a:rPr>
+                          <m:t>𝑜</m:t>
+                        </m:r>
+                      </m:sup>
+                    </m:sSup>
+                  </m:oMath>
+                </a14:m>
+                <a:r>
+                  <a:rPr lang="en-US" dirty="0"/>
+                  <a:t>]</a:t>
+                </a:r>
+              </a:p>
+              <a:p>
+                <a:r>
+                  <a:rPr lang="en-US" dirty="0"/>
+                  <a:t>[0.43V, 28.67cm]</a:t>
+                </a:r>
+                <a:endParaRPr lang="en-MY" dirty="0"/>
+              </a:p>
+            </p:txBody>
+          </p:sp>
+        </mc:Choice>
+        <mc:Fallback xmlns="">
+          <p:sp>
+            <p:nvSpPr>
+              <p:cNvPr id="3" name="Notes Placeholder 2"/>
+              <p:cNvSpPr>
+                <a:spLocks noGrp="1"/>
+              </p:cNvSpPr>
+              <p:nvPr>
+                <p:ph type="body" idx="1"/>
+              </p:nvPr>
+            </p:nvSpPr>
+            <p:spPr/>
+            <p:txBody>
+              <a:bodyPr/>
+              <a:lstStyle/>
+              <a:p>
+                <a:r>
+                  <a:rPr lang="en-US" dirty="0"/>
+                  <a:t>[</a:t>
+                </a:r>
+                <a:r>
+                  <a:rPr lang="pt-BR" dirty="0"/>
+                  <a:t>(a) −2.42 × </a:t>
+                </a:r>
+                <a:r>
+                  <a:rPr lang="pt-BR" i="0" dirty="0">
+                    <a:latin typeface="Cambria Math" panose="02040503050406030204" pitchFamily="18" charset="0"/>
+                  </a:rPr>
+                  <a:t>10^6</a:t>
+                </a:r>
+                <a:r>
+                  <a:rPr lang="pt-BR" dirty="0"/>
+                  <a:t> V (b) 123.25 × </a:t>
+                </a:r>
+                <a:r>
+                  <a:rPr lang="pt-BR" i="0" dirty="0">
+                    <a:latin typeface="Cambria Math" panose="02040503050406030204" pitchFamily="18" charset="0"/>
+                  </a:rPr>
+                  <a:t>10^6</a:t>
+                </a:r>
+                <a:r>
+                  <a:rPr lang="pt-BR" dirty="0"/>
+                  <a:t> N C−1, −75.1°</a:t>
+                </a:r>
+                <a:r>
+                  <a:rPr lang="en-US" dirty="0"/>
+                  <a:t>]</a:t>
+                </a:r>
+                <a:endParaRPr lang="en-MY" dirty="0"/>
+              </a:p>
+            </p:txBody>
+          </p:sp>
+        </mc:Fallback>
+      </mc:AlternateContent>
+      <p:sp>
+        <p:nvSpPr>
+          <p:cNvPr id="4" name="Slide Number Placeholder 3"/>
+          <p:cNvSpPr>
+            <a:spLocks noGrp="1"/>
+          </p:cNvSpPr>
+          <p:nvPr>
+            <p:ph type="sldNum" sz="quarter" idx="5"/>
+          </p:nvPr>
+        </p:nvSpPr>
+        <p:spPr/>
+        <p:txBody>
+          <a:bodyPr/>
+          <a:lstStyle/>
+          <a:p>
+            <a:fld id="{1E9F7178-10E6-4B08-A988-6735E72E923E}" type="slidenum">
+              <a:rPr lang="en-MY" smtClean="0"/>
+              <a:t>1</a:t>
+            </a:fld>
+            <a:endParaRPr lang="en-MY"/>
+          </a:p>
+        </p:txBody>
+      </p:sp>
+    </p:spTree>
+    <p:extLst>
+      <p:ext uri="{BB962C8B-B14F-4D97-AF65-F5344CB8AC3E}">
+        <p14:creationId xmlns:p14="http://schemas.microsoft.com/office/powerpoint/2010/main" val="776862914"/>
+      </p:ext>
+    </p:extLst>
+  </p:cSld>
+  <p:clrMapOvr>
+    <a:masterClrMapping/>
+  </p:clrMapOvr>
+</p:notes>
+</file>
+
+<file path=ppt/notesSlides/notesSlide2.xml><?xml version="1.0" encoding="utf-8"?>
+<p:notes xmlns:a="http://schemas.openxmlformats.org/drawingml/2006/main" xmlns:r="http://schemas.openxmlformats.org/officeDocument/2006/relationships" xmlns:p="http://schemas.openxmlformats.org/presentationml/2006/main">
+  <p:cSld>
+    <p:spTree>
+      <p:nvGrpSpPr>
+        <p:cNvPr id="1" name="">
+          <a:extLst>
+            <a:ext uri="{FF2B5EF4-FFF2-40B4-BE49-F238E27FC236}">
+              <a16:creationId xmlns:a16="http://schemas.microsoft.com/office/drawing/2014/main" id="{49A9786A-90D8-CDB8-D225-53800D249C3F}"/>
+            </a:ext>
+          </a:extLst>
+        </p:cNvPr>
+        <p:cNvGrpSpPr/>
+        <p:nvPr/>
+      </p:nvGrpSpPr>
+      <p:grpSpPr>
+        <a:xfrm>
+          <a:off x="0" y="0"/>
+          <a:ext cx="0" cy="0"/>
+          <a:chOff x="0" y="0"/>
+          <a:chExt cx="0" cy="0"/>
+        </a:xfrm>
+      </p:grpSpPr>
+      <p:sp>
+        <p:nvSpPr>
+          <p:cNvPr id="2" name="Slide Image Placeholder 1">
+            <a:extLst>
+              <a:ext uri="{FF2B5EF4-FFF2-40B4-BE49-F238E27FC236}">
+                <a16:creationId xmlns:a16="http://schemas.microsoft.com/office/drawing/2014/main" id="{16E9C4BC-4A52-AEFE-E962-838CA4D5694C}"/>
+              </a:ext>
+            </a:extLst>
+          </p:cNvPr>
+          <p:cNvSpPr>
+            <a:spLocks noGrp="1" noRot="1" noChangeAspect="1"/>
+          </p:cNvSpPr>
+          <p:nvPr>
+            <p:ph type="sldImg"/>
+          </p:nvPr>
+        </p:nvSpPr>
+        <p:spPr/>
+      </p:sp>
+      <mc:AlternateContent xmlns:mc="http://schemas.openxmlformats.org/markup-compatibility/2006" xmlns:a14="http://schemas.microsoft.com/office/drawing/2010/main">
+        <mc:Choice Requires="a14">
+          <p:sp>
+            <p:nvSpPr>
+              <p:cNvPr id="3" name="Notes Placeholder 2">
+                <a:extLst>
+                  <a:ext uri="{FF2B5EF4-FFF2-40B4-BE49-F238E27FC236}">
+                    <a16:creationId xmlns:a16="http://schemas.microsoft.com/office/drawing/2014/main" id="{C259144A-B33A-6BE0-0EB3-5FC42A0D1ECA}"/>
+                  </a:ext>
+                </a:extLst>
+              </p:cNvPr>
+              <p:cNvSpPr>
+                <a:spLocks noGrp="1"/>
+              </p:cNvSpPr>
+              <p:nvPr>
+                <p:ph type="body" idx="1"/>
+              </p:nvPr>
+            </p:nvSpPr>
+            <p:spPr/>
+            <p:txBody>
+              <a:bodyPr/>
+              <a:lstStyle/>
+              <a:p>
+                <a:r>
+                  <a:rPr lang="en-US" dirty="0"/>
+                  <a:t>[</a:t>
+                </a:r>
                 <a:r>
                   <a:rPr lang="pt-BR" dirty="0"/>
                   <a:t>(a) −2.42 × </a:t>
@@ -650,7 +887,13 @@
       </mc:AlternateContent>
       <p:sp>
         <p:nvSpPr>
-          <p:cNvPr id="4" name="Slide Number Placeholder 3"/>
+          <p:cNvPr id="4" name="Slide Number Placeholder 3">
+            <a:extLst>
+              <a:ext uri="{FF2B5EF4-FFF2-40B4-BE49-F238E27FC236}">
+                <a16:creationId xmlns:a16="http://schemas.microsoft.com/office/drawing/2014/main" id="{62F92A07-2A37-A8EE-8ED8-FD93E97CEEC8}"/>
+              </a:ext>
+            </a:extLst>
+          </p:cNvPr>
           <p:cNvSpPr>
             <a:spLocks noGrp="1"/>
           </p:cNvSpPr>
@@ -665,7 +908,7 @@
           <a:p>
             <a:fld id="{1E9F7178-10E6-4B08-A988-6735E72E923E}" type="slidenum">
               <a:rPr lang="en-MY" smtClean="0"/>
-              <a:t>1</a:t>
+              <a:t>2</a:t>
             </a:fld>
             <a:endParaRPr lang="en-MY"/>
           </a:p>
@@ -674,7 +917,1222 @@
     </p:spTree>
     <p:extLst>
       <p:ext uri="{BB962C8B-B14F-4D97-AF65-F5344CB8AC3E}">
-        <p14:creationId xmlns:p14="http://schemas.microsoft.com/office/powerpoint/2010/main" val="776862914"/>
+        <p14:creationId xmlns:p14="http://schemas.microsoft.com/office/powerpoint/2010/main" val="1460324079"/>
+      </p:ext>
+    </p:extLst>
+  </p:cSld>
+  <p:clrMapOvr>
+    <a:masterClrMapping/>
+  </p:clrMapOvr>
+</p:notes>
+</file>
+
+<file path=ppt/notesSlides/notesSlide3.xml><?xml version="1.0" encoding="utf-8"?>
+<p:notes xmlns:a="http://schemas.openxmlformats.org/drawingml/2006/main" xmlns:r="http://schemas.openxmlformats.org/officeDocument/2006/relationships" xmlns:p="http://schemas.openxmlformats.org/presentationml/2006/main">
+  <p:cSld>
+    <p:spTree>
+      <p:nvGrpSpPr>
+        <p:cNvPr id="1" name="">
+          <a:extLst>
+            <a:ext uri="{FF2B5EF4-FFF2-40B4-BE49-F238E27FC236}">
+              <a16:creationId xmlns:a16="http://schemas.microsoft.com/office/drawing/2014/main" id="{A925C8D9-6A66-C5C8-F63D-65D7D6400B52}"/>
+            </a:ext>
+          </a:extLst>
+        </p:cNvPr>
+        <p:cNvGrpSpPr/>
+        <p:nvPr/>
+      </p:nvGrpSpPr>
+      <p:grpSpPr>
+        <a:xfrm>
+          <a:off x="0" y="0"/>
+          <a:ext cx="0" cy="0"/>
+          <a:chOff x="0" y="0"/>
+          <a:chExt cx="0" cy="0"/>
+        </a:xfrm>
+      </p:grpSpPr>
+      <p:sp>
+        <p:nvSpPr>
+          <p:cNvPr id="2" name="Slide Image Placeholder 1">
+            <a:extLst>
+              <a:ext uri="{FF2B5EF4-FFF2-40B4-BE49-F238E27FC236}">
+                <a16:creationId xmlns:a16="http://schemas.microsoft.com/office/drawing/2014/main" id="{5BF4518F-5214-1DC4-4418-1CA37248F578}"/>
+              </a:ext>
+            </a:extLst>
+          </p:cNvPr>
+          <p:cNvSpPr>
+            <a:spLocks noGrp="1" noRot="1" noChangeAspect="1"/>
+          </p:cNvSpPr>
+          <p:nvPr>
+            <p:ph type="sldImg"/>
+          </p:nvPr>
+        </p:nvSpPr>
+        <p:spPr/>
+      </p:sp>
+      <mc:AlternateContent xmlns:mc="http://schemas.openxmlformats.org/markup-compatibility/2006" xmlns:a14="http://schemas.microsoft.com/office/drawing/2010/main">
+        <mc:Choice Requires="a14">
+          <p:sp>
+            <p:nvSpPr>
+              <p:cNvPr id="3" name="Notes Placeholder 2">
+                <a:extLst>
+                  <a:ext uri="{FF2B5EF4-FFF2-40B4-BE49-F238E27FC236}">
+                    <a16:creationId xmlns:a16="http://schemas.microsoft.com/office/drawing/2014/main" id="{B0FF9FFB-1ABB-203B-0E30-C8B6F6B4069E}"/>
+                  </a:ext>
+                </a:extLst>
+              </p:cNvPr>
+              <p:cNvSpPr>
+                <a:spLocks noGrp="1"/>
+              </p:cNvSpPr>
+              <p:nvPr>
+                <p:ph type="body" idx="1"/>
+              </p:nvPr>
+            </p:nvSpPr>
+            <p:spPr/>
+            <p:txBody>
+              <a:bodyPr/>
+              <a:lstStyle/>
+              <a:p>
+                <a:r>
+                  <a:rPr lang="en-US" dirty="0"/>
+                  <a:t>[</a:t>
+                </a:r>
+                <a:r>
+                  <a:rPr lang="pt-BR" dirty="0"/>
+                  <a:t>(a) −2.42 × </a:t>
+                </a:r>
+                <a14:m>
+                  <m:oMath xmlns:m="http://schemas.openxmlformats.org/officeDocument/2006/math">
+                    <m:sSup>
+                      <m:sSupPr>
+                        <m:ctrlPr>
+                          <a:rPr lang="pt-BR" i="1" dirty="0" smtClean="0">
+                            <a:latin typeface="Cambria Math" panose="02040503050406030204" pitchFamily="18" charset="0"/>
+                          </a:rPr>
+                        </m:ctrlPr>
+                      </m:sSupPr>
+                      <m:e>
+                        <m:r>
+                          <a:rPr lang="pt-BR" i="1" dirty="0" smtClean="0">
+                            <a:latin typeface="Cambria Math" panose="02040503050406030204" pitchFamily="18" charset="0"/>
+                          </a:rPr>
+                          <m:t>10</m:t>
+                        </m:r>
+                      </m:e>
+                      <m:sup>
+                        <m:r>
+                          <a:rPr lang="pt-BR" i="1" dirty="0" smtClean="0">
+                            <a:latin typeface="Cambria Math" panose="02040503050406030204" pitchFamily="18" charset="0"/>
+                          </a:rPr>
+                          <m:t>6</m:t>
+                        </m:r>
+                      </m:sup>
+                    </m:sSup>
+                  </m:oMath>
+                </a14:m>
+                <a:r>
+                  <a:rPr lang="pt-BR" dirty="0"/>
+                  <a:t> V (b) 123.25 × </a:t>
+                </a:r>
+                <a14:m>
+                  <m:oMath xmlns:m="http://schemas.openxmlformats.org/officeDocument/2006/math">
+                    <m:sSup>
+                      <m:sSupPr>
+                        <m:ctrlPr>
+                          <a:rPr lang="pt-BR" i="1" dirty="0" smtClean="0">
+                            <a:latin typeface="Cambria Math" panose="02040503050406030204" pitchFamily="18" charset="0"/>
+                          </a:rPr>
+                        </m:ctrlPr>
+                      </m:sSupPr>
+                      <m:e>
+                        <m:r>
+                          <a:rPr lang="pt-BR" i="1" dirty="0" smtClean="0">
+                            <a:latin typeface="Cambria Math" panose="02040503050406030204" pitchFamily="18" charset="0"/>
+                          </a:rPr>
+                          <m:t>10</m:t>
+                        </m:r>
+                      </m:e>
+                      <m:sup>
+                        <m:r>
+                          <a:rPr lang="pt-BR" i="1" dirty="0" smtClean="0">
+                            <a:latin typeface="Cambria Math" panose="02040503050406030204" pitchFamily="18" charset="0"/>
+                          </a:rPr>
+                          <m:t>6</m:t>
+                        </m:r>
+                      </m:sup>
+                    </m:sSup>
+                  </m:oMath>
+                </a14:m>
+                <a:r>
+                  <a:rPr lang="pt-BR" dirty="0"/>
+                  <a:t> N C−1, −75.1°</a:t>
+                </a:r>
+                <a:r>
+                  <a:rPr lang="en-US" dirty="0"/>
+                  <a:t>]</a:t>
+                </a:r>
+                <a:endParaRPr lang="en-MY" dirty="0"/>
+              </a:p>
+            </p:txBody>
+          </p:sp>
+        </mc:Choice>
+        <mc:Fallback xmlns="">
+          <p:sp>
+            <p:nvSpPr>
+              <p:cNvPr id="3" name="Notes Placeholder 2"/>
+              <p:cNvSpPr>
+                <a:spLocks noGrp="1"/>
+              </p:cNvSpPr>
+              <p:nvPr>
+                <p:ph type="body" idx="1"/>
+              </p:nvPr>
+            </p:nvSpPr>
+            <p:spPr/>
+            <p:txBody>
+              <a:bodyPr/>
+              <a:lstStyle/>
+              <a:p>
+                <a:r>
+                  <a:rPr lang="en-US" dirty="0"/>
+                  <a:t>[</a:t>
+                </a:r>
+                <a:r>
+                  <a:rPr lang="pt-BR" dirty="0"/>
+                  <a:t>(a) −2.42 × </a:t>
+                </a:r>
+                <a:r>
+                  <a:rPr lang="pt-BR" i="0" dirty="0">
+                    <a:latin typeface="Cambria Math" panose="02040503050406030204" pitchFamily="18" charset="0"/>
+                  </a:rPr>
+                  <a:t>10^6</a:t>
+                </a:r>
+                <a:r>
+                  <a:rPr lang="pt-BR" dirty="0"/>
+                  <a:t> V (b) 123.25 × </a:t>
+                </a:r>
+                <a:r>
+                  <a:rPr lang="pt-BR" i="0" dirty="0">
+                    <a:latin typeface="Cambria Math" panose="02040503050406030204" pitchFamily="18" charset="0"/>
+                  </a:rPr>
+                  <a:t>10^6</a:t>
+                </a:r>
+                <a:r>
+                  <a:rPr lang="pt-BR" dirty="0"/>
+                  <a:t> N C−1, −75.1°</a:t>
+                </a:r>
+                <a:r>
+                  <a:rPr lang="en-US" dirty="0"/>
+                  <a:t>]</a:t>
+                </a:r>
+                <a:endParaRPr lang="en-MY" dirty="0"/>
+              </a:p>
+            </p:txBody>
+          </p:sp>
+        </mc:Fallback>
+      </mc:AlternateContent>
+      <p:sp>
+        <p:nvSpPr>
+          <p:cNvPr id="4" name="Slide Number Placeholder 3">
+            <a:extLst>
+              <a:ext uri="{FF2B5EF4-FFF2-40B4-BE49-F238E27FC236}">
+                <a16:creationId xmlns:a16="http://schemas.microsoft.com/office/drawing/2014/main" id="{FCB3AD19-5769-C27C-8413-52D9680EC200}"/>
+              </a:ext>
+            </a:extLst>
+          </p:cNvPr>
+          <p:cNvSpPr>
+            <a:spLocks noGrp="1"/>
+          </p:cNvSpPr>
+          <p:nvPr>
+            <p:ph type="sldNum" sz="quarter" idx="5"/>
+          </p:nvPr>
+        </p:nvSpPr>
+        <p:spPr/>
+        <p:txBody>
+          <a:bodyPr/>
+          <a:lstStyle/>
+          <a:p>
+            <a:fld id="{1E9F7178-10E6-4B08-A988-6735E72E923E}" type="slidenum">
+              <a:rPr lang="en-MY" smtClean="0"/>
+              <a:t>3</a:t>
+            </a:fld>
+            <a:endParaRPr lang="en-MY"/>
+          </a:p>
+        </p:txBody>
+      </p:sp>
+    </p:spTree>
+    <p:extLst>
+      <p:ext uri="{BB962C8B-B14F-4D97-AF65-F5344CB8AC3E}">
+        <p14:creationId xmlns:p14="http://schemas.microsoft.com/office/powerpoint/2010/main" val="3289012813"/>
+      </p:ext>
+    </p:extLst>
+  </p:cSld>
+  <p:clrMapOvr>
+    <a:masterClrMapping/>
+  </p:clrMapOvr>
+</p:notes>
+</file>
+
+<file path=ppt/notesSlides/notesSlide4.xml><?xml version="1.0" encoding="utf-8"?>
+<p:notes xmlns:a="http://schemas.openxmlformats.org/drawingml/2006/main" xmlns:r="http://schemas.openxmlformats.org/officeDocument/2006/relationships" xmlns:p="http://schemas.openxmlformats.org/presentationml/2006/main">
+  <p:cSld>
+    <p:spTree>
+      <p:nvGrpSpPr>
+        <p:cNvPr id="1" name="">
+          <a:extLst>
+            <a:ext uri="{FF2B5EF4-FFF2-40B4-BE49-F238E27FC236}">
+              <a16:creationId xmlns:a16="http://schemas.microsoft.com/office/drawing/2014/main" id="{405F682B-D51A-309F-6AEA-F42E45B56969}"/>
+            </a:ext>
+          </a:extLst>
+        </p:cNvPr>
+        <p:cNvGrpSpPr/>
+        <p:nvPr/>
+      </p:nvGrpSpPr>
+      <p:grpSpPr>
+        <a:xfrm>
+          <a:off x="0" y="0"/>
+          <a:ext cx="0" cy="0"/>
+          <a:chOff x="0" y="0"/>
+          <a:chExt cx="0" cy="0"/>
+        </a:xfrm>
+      </p:grpSpPr>
+      <p:sp>
+        <p:nvSpPr>
+          <p:cNvPr id="2" name="Slide Image Placeholder 1">
+            <a:extLst>
+              <a:ext uri="{FF2B5EF4-FFF2-40B4-BE49-F238E27FC236}">
+                <a16:creationId xmlns:a16="http://schemas.microsoft.com/office/drawing/2014/main" id="{1B25E92C-6D9F-21CF-FE57-BD966E7EB3D7}"/>
+              </a:ext>
+            </a:extLst>
+          </p:cNvPr>
+          <p:cNvSpPr>
+            <a:spLocks noGrp="1" noRot="1" noChangeAspect="1"/>
+          </p:cNvSpPr>
+          <p:nvPr>
+            <p:ph type="sldImg"/>
+          </p:nvPr>
+        </p:nvSpPr>
+        <p:spPr/>
+      </p:sp>
+      <mc:AlternateContent xmlns:mc="http://schemas.openxmlformats.org/markup-compatibility/2006" xmlns:a14="http://schemas.microsoft.com/office/drawing/2010/main">
+        <mc:Choice Requires="a14">
+          <p:sp>
+            <p:nvSpPr>
+              <p:cNvPr id="3" name="Notes Placeholder 2">
+                <a:extLst>
+                  <a:ext uri="{FF2B5EF4-FFF2-40B4-BE49-F238E27FC236}">
+                    <a16:creationId xmlns:a16="http://schemas.microsoft.com/office/drawing/2014/main" id="{6C23149D-DEB1-D68F-9BCA-D8E966E75127}"/>
+                  </a:ext>
+                </a:extLst>
+              </p:cNvPr>
+              <p:cNvSpPr>
+                <a:spLocks noGrp="1"/>
+              </p:cNvSpPr>
+              <p:nvPr>
+                <p:ph type="body" idx="1"/>
+              </p:nvPr>
+            </p:nvSpPr>
+            <p:spPr/>
+            <p:txBody>
+              <a:bodyPr/>
+              <a:lstStyle/>
+              <a:p>
+                <a:r>
+                  <a:rPr lang="en-US" dirty="0"/>
+                  <a:t>[</a:t>
+                </a:r>
+                <a:r>
+                  <a:rPr lang="pt-BR" dirty="0"/>
+                  <a:t>(a) −2.42 × </a:t>
+                </a:r>
+                <a14:m>
+                  <m:oMath xmlns:m="http://schemas.openxmlformats.org/officeDocument/2006/math">
+                    <m:sSup>
+                      <m:sSupPr>
+                        <m:ctrlPr>
+                          <a:rPr lang="pt-BR" i="1" dirty="0" smtClean="0">
+                            <a:latin typeface="Cambria Math" panose="02040503050406030204" pitchFamily="18" charset="0"/>
+                          </a:rPr>
+                        </m:ctrlPr>
+                      </m:sSupPr>
+                      <m:e>
+                        <m:r>
+                          <a:rPr lang="pt-BR" i="1" dirty="0" smtClean="0">
+                            <a:latin typeface="Cambria Math" panose="02040503050406030204" pitchFamily="18" charset="0"/>
+                          </a:rPr>
+                          <m:t>10</m:t>
+                        </m:r>
+                      </m:e>
+                      <m:sup>
+                        <m:r>
+                          <a:rPr lang="pt-BR" i="1" dirty="0" smtClean="0">
+                            <a:latin typeface="Cambria Math" panose="02040503050406030204" pitchFamily="18" charset="0"/>
+                          </a:rPr>
+                          <m:t>6</m:t>
+                        </m:r>
+                      </m:sup>
+                    </m:sSup>
+                  </m:oMath>
+                </a14:m>
+                <a:r>
+                  <a:rPr lang="pt-BR" dirty="0"/>
+                  <a:t> V (b) 123.25 × </a:t>
+                </a:r>
+                <a14:m>
+                  <m:oMath xmlns:m="http://schemas.openxmlformats.org/officeDocument/2006/math">
+                    <m:sSup>
+                      <m:sSupPr>
+                        <m:ctrlPr>
+                          <a:rPr lang="pt-BR" i="1" dirty="0" smtClean="0">
+                            <a:latin typeface="Cambria Math" panose="02040503050406030204" pitchFamily="18" charset="0"/>
+                          </a:rPr>
+                        </m:ctrlPr>
+                      </m:sSupPr>
+                      <m:e>
+                        <m:r>
+                          <a:rPr lang="pt-BR" i="1" dirty="0" smtClean="0">
+                            <a:latin typeface="Cambria Math" panose="02040503050406030204" pitchFamily="18" charset="0"/>
+                          </a:rPr>
+                          <m:t>10</m:t>
+                        </m:r>
+                      </m:e>
+                      <m:sup>
+                        <m:r>
+                          <a:rPr lang="pt-BR" i="1" dirty="0" smtClean="0">
+                            <a:latin typeface="Cambria Math" panose="02040503050406030204" pitchFamily="18" charset="0"/>
+                          </a:rPr>
+                          <m:t>6</m:t>
+                        </m:r>
+                      </m:sup>
+                    </m:sSup>
+                  </m:oMath>
+                </a14:m>
+                <a:r>
+                  <a:rPr lang="pt-BR" dirty="0"/>
+                  <a:t> N C−1, −75.1°</a:t>
+                </a:r>
+                <a:r>
+                  <a:rPr lang="en-US" dirty="0"/>
+                  <a:t>]</a:t>
+                </a:r>
+                <a:endParaRPr lang="en-MY" dirty="0"/>
+              </a:p>
+            </p:txBody>
+          </p:sp>
+        </mc:Choice>
+        <mc:Fallback xmlns="">
+          <p:sp>
+            <p:nvSpPr>
+              <p:cNvPr id="3" name="Notes Placeholder 2"/>
+              <p:cNvSpPr>
+                <a:spLocks noGrp="1"/>
+              </p:cNvSpPr>
+              <p:nvPr>
+                <p:ph type="body" idx="1"/>
+              </p:nvPr>
+            </p:nvSpPr>
+            <p:spPr/>
+            <p:txBody>
+              <a:bodyPr/>
+              <a:lstStyle/>
+              <a:p>
+                <a:r>
+                  <a:rPr lang="en-US" dirty="0"/>
+                  <a:t>[</a:t>
+                </a:r>
+                <a:r>
+                  <a:rPr lang="pt-BR" dirty="0"/>
+                  <a:t>(a) −2.42 × </a:t>
+                </a:r>
+                <a:r>
+                  <a:rPr lang="pt-BR" i="0" dirty="0">
+                    <a:latin typeface="Cambria Math" panose="02040503050406030204" pitchFamily="18" charset="0"/>
+                  </a:rPr>
+                  <a:t>10^6</a:t>
+                </a:r>
+                <a:r>
+                  <a:rPr lang="pt-BR" dirty="0"/>
+                  <a:t> V (b) 123.25 × </a:t>
+                </a:r>
+                <a:r>
+                  <a:rPr lang="pt-BR" i="0" dirty="0">
+                    <a:latin typeface="Cambria Math" panose="02040503050406030204" pitchFamily="18" charset="0"/>
+                  </a:rPr>
+                  <a:t>10^6</a:t>
+                </a:r>
+                <a:r>
+                  <a:rPr lang="pt-BR" dirty="0"/>
+                  <a:t> N C−1, −75.1°</a:t>
+                </a:r>
+                <a:r>
+                  <a:rPr lang="en-US" dirty="0"/>
+                  <a:t>]</a:t>
+                </a:r>
+                <a:endParaRPr lang="en-MY" dirty="0"/>
+              </a:p>
+            </p:txBody>
+          </p:sp>
+        </mc:Fallback>
+      </mc:AlternateContent>
+      <p:sp>
+        <p:nvSpPr>
+          <p:cNvPr id="4" name="Slide Number Placeholder 3">
+            <a:extLst>
+              <a:ext uri="{FF2B5EF4-FFF2-40B4-BE49-F238E27FC236}">
+                <a16:creationId xmlns:a16="http://schemas.microsoft.com/office/drawing/2014/main" id="{413101A1-5E83-FC41-6689-36BC30EF55EF}"/>
+              </a:ext>
+            </a:extLst>
+          </p:cNvPr>
+          <p:cNvSpPr>
+            <a:spLocks noGrp="1"/>
+          </p:cNvSpPr>
+          <p:nvPr>
+            <p:ph type="sldNum" sz="quarter" idx="5"/>
+          </p:nvPr>
+        </p:nvSpPr>
+        <p:spPr/>
+        <p:txBody>
+          <a:bodyPr/>
+          <a:lstStyle/>
+          <a:p>
+            <a:fld id="{1E9F7178-10E6-4B08-A988-6735E72E923E}" type="slidenum">
+              <a:rPr lang="en-MY" smtClean="0"/>
+              <a:t>4</a:t>
+            </a:fld>
+            <a:endParaRPr lang="en-MY"/>
+          </a:p>
+        </p:txBody>
+      </p:sp>
+    </p:spTree>
+    <p:extLst>
+      <p:ext uri="{BB962C8B-B14F-4D97-AF65-F5344CB8AC3E}">
+        <p14:creationId xmlns:p14="http://schemas.microsoft.com/office/powerpoint/2010/main" val="842447479"/>
+      </p:ext>
+    </p:extLst>
+  </p:cSld>
+  <p:clrMapOvr>
+    <a:masterClrMapping/>
+  </p:clrMapOvr>
+</p:notes>
+</file>
+
+<file path=ppt/notesSlides/notesSlide5.xml><?xml version="1.0" encoding="utf-8"?>
+<p:notes xmlns:a="http://schemas.openxmlformats.org/drawingml/2006/main" xmlns:r="http://schemas.openxmlformats.org/officeDocument/2006/relationships" xmlns:p="http://schemas.openxmlformats.org/presentationml/2006/main">
+  <p:cSld>
+    <p:spTree>
+      <p:nvGrpSpPr>
+        <p:cNvPr id="1" name="">
+          <a:extLst>
+            <a:ext uri="{FF2B5EF4-FFF2-40B4-BE49-F238E27FC236}">
+              <a16:creationId xmlns:a16="http://schemas.microsoft.com/office/drawing/2014/main" id="{F5E48465-B5C3-8F32-FA15-F53262FA4C32}"/>
+            </a:ext>
+          </a:extLst>
+        </p:cNvPr>
+        <p:cNvGrpSpPr/>
+        <p:nvPr/>
+      </p:nvGrpSpPr>
+      <p:grpSpPr>
+        <a:xfrm>
+          <a:off x="0" y="0"/>
+          <a:ext cx="0" cy="0"/>
+          <a:chOff x="0" y="0"/>
+          <a:chExt cx="0" cy="0"/>
+        </a:xfrm>
+      </p:grpSpPr>
+      <p:sp>
+        <p:nvSpPr>
+          <p:cNvPr id="2" name="Slide Image Placeholder 1">
+            <a:extLst>
+              <a:ext uri="{FF2B5EF4-FFF2-40B4-BE49-F238E27FC236}">
+                <a16:creationId xmlns:a16="http://schemas.microsoft.com/office/drawing/2014/main" id="{CEAA99DC-49A9-389F-D08A-B541D8D6986A}"/>
+              </a:ext>
+            </a:extLst>
+          </p:cNvPr>
+          <p:cNvSpPr>
+            <a:spLocks noGrp="1" noRot="1" noChangeAspect="1"/>
+          </p:cNvSpPr>
+          <p:nvPr>
+            <p:ph type="sldImg"/>
+          </p:nvPr>
+        </p:nvSpPr>
+        <p:spPr/>
+      </p:sp>
+      <mc:AlternateContent xmlns:mc="http://schemas.openxmlformats.org/markup-compatibility/2006" xmlns:a14="http://schemas.microsoft.com/office/drawing/2010/main">
+        <mc:Choice Requires="a14">
+          <p:sp>
+            <p:nvSpPr>
+              <p:cNvPr id="3" name="Notes Placeholder 2">
+                <a:extLst>
+                  <a:ext uri="{FF2B5EF4-FFF2-40B4-BE49-F238E27FC236}">
+                    <a16:creationId xmlns:a16="http://schemas.microsoft.com/office/drawing/2014/main" id="{4AAD6B44-F1F3-9D21-DC02-DC3AF17E1E9D}"/>
+                  </a:ext>
+                </a:extLst>
+              </p:cNvPr>
+              <p:cNvSpPr>
+                <a:spLocks noGrp="1"/>
+              </p:cNvSpPr>
+              <p:nvPr>
+                <p:ph type="body" idx="1"/>
+              </p:nvPr>
+            </p:nvSpPr>
+            <p:spPr/>
+            <p:txBody>
+              <a:bodyPr/>
+              <a:lstStyle/>
+              <a:p>
+                <a:r>
+                  <a:rPr lang="en-US" dirty="0"/>
+                  <a:t>[</a:t>
+                </a:r>
+                <a:r>
+                  <a:rPr lang="pt-BR" dirty="0"/>
+                  <a:t>(a) −2.42 × </a:t>
+                </a:r>
+                <a14:m>
+                  <m:oMath xmlns:m="http://schemas.openxmlformats.org/officeDocument/2006/math">
+                    <m:sSup>
+                      <m:sSupPr>
+                        <m:ctrlPr>
+                          <a:rPr lang="pt-BR" i="1" dirty="0" smtClean="0">
+                            <a:latin typeface="Cambria Math" panose="02040503050406030204" pitchFamily="18" charset="0"/>
+                          </a:rPr>
+                        </m:ctrlPr>
+                      </m:sSupPr>
+                      <m:e>
+                        <m:r>
+                          <a:rPr lang="pt-BR" i="1" dirty="0" smtClean="0">
+                            <a:latin typeface="Cambria Math" panose="02040503050406030204" pitchFamily="18" charset="0"/>
+                          </a:rPr>
+                          <m:t>10</m:t>
+                        </m:r>
+                      </m:e>
+                      <m:sup>
+                        <m:r>
+                          <a:rPr lang="pt-BR" i="1" dirty="0" smtClean="0">
+                            <a:latin typeface="Cambria Math" panose="02040503050406030204" pitchFamily="18" charset="0"/>
+                          </a:rPr>
+                          <m:t>6</m:t>
+                        </m:r>
+                      </m:sup>
+                    </m:sSup>
+                  </m:oMath>
+                </a14:m>
+                <a:r>
+                  <a:rPr lang="pt-BR" dirty="0"/>
+                  <a:t> V (b) 123.25 × </a:t>
+                </a:r>
+                <a14:m>
+                  <m:oMath xmlns:m="http://schemas.openxmlformats.org/officeDocument/2006/math">
+                    <m:sSup>
+                      <m:sSupPr>
+                        <m:ctrlPr>
+                          <a:rPr lang="pt-BR" i="1" dirty="0" smtClean="0">
+                            <a:latin typeface="Cambria Math" panose="02040503050406030204" pitchFamily="18" charset="0"/>
+                          </a:rPr>
+                        </m:ctrlPr>
+                      </m:sSupPr>
+                      <m:e>
+                        <m:r>
+                          <a:rPr lang="pt-BR" i="1" dirty="0" smtClean="0">
+                            <a:latin typeface="Cambria Math" panose="02040503050406030204" pitchFamily="18" charset="0"/>
+                          </a:rPr>
+                          <m:t>10</m:t>
+                        </m:r>
+                      </m:e>
+                      <m:sup>
+                        <m:r>
+                          <a:rPr lang="pt-BR" i="1" dirty="0" smtClean="0">
+                            <a:latin typeface="Cambria Math" panose="02040503050406030204" pitchFamily="18" charset="0"/>
+                          </a:rPr>
+                          <m:t>6</m:t>
+                        </m:r>
+                      </m:sup>
+                    </m:sSup>
+                  </m:oMath>
+                </a14:m>
+                <a:r>
+                  <a:rPr lang="pt-BR" dirty="0"/>
+                  <a:t> N C−1, −75.1°</a:t>
+                </a:r>
+                <a:r>
+                  <a:rPr lang="en-US" dirty="0"/>
+                  <a:t>]</a:t>
+                </a:r>
+                <a:endParaRPr lang="en-MY" dirty="0"/>
+              </a:p>
+            </p:txBody>
+          </p:sp>
+        </mc:Choice>
+        <mc:Fallback xmlns="">
+          <p:sp>
+            <p:nvSpPr>
+              <p:cNvPr id="3" name="Notes Placeholder 2"/>
+              <p:cNvSpPr>
+                <a:spLocks noGrp="1"/>
+              </p:cNvSpPr>
+              <p:nvPr>
+                <p:ph type="body" idx="1"/>
+              </p:nvPr>
+            </p:nvSpPr>
+            <p:spPr/>
+            <p:txBody>
+              <a:bodyPr/>
+              <a:lstStyle/>
+              <a:p>
+                <a:r>
+                  <a:rPr lang="en-US" dirty="0"/>
+                  <a:t>[</a:t>
+                </a:r>
+                <a:r>
+                  <a:rPr lang="pt-BR" dirty="0"/>
+                  <a:t>(a) −2.42 × </a:t>
+                </a:r>
+                <a:r>
+                  <a:rPr lang="pt-BR" i="0" dirty="0">
+                    <a:latin typeface="Cambria Math" panose="02040503050406030204" pitchFamily="18" charset="0"/>
+                  </a:rPr>
+                  <a:t>10^6</a:t>
+                </a:r>
+                <a:r>
+                  <a:rPr lang="pt-BR" dirty="0"/>
+                  <a:t> V (b) 123.25 × </a:t>
+                </a:r>
+                <a:r>
+                  <a:rPr lang="pt-BR" i="0" dirty="0">
+                    <a:latin typeface="Cambria Math" panose="02040503050406030204" pitchFamily="18" charset="0"/>
+                  </a:rPr>
+                  <a:t>10^6</a:t>
+                </a:r>
+                <a:r>
+                  <a:rPr lang="pt-BR" dirty="0"/>
+                  <a:t> N C−1, −75.1°</a:t>
+                </a:r>
+                <a:r>
+                  <a:rPr lang="en-US" dirty="0"/>
+                  <a:t>]</a:t>
+                </a:r>
+                <a:endParaRPr lang="en-MY" dirty="0"/>
+              </a:p>
+            </p:txBody>
+          </p:sp>
+        </mc:Fallback>
+      </mc:AlternateContent>
+      <p:sp>
+        <p:nvSpPr>
+          <p:cNvPr id="4" name="Slide Number Placeholder 3">
+            <a:extLst>
+              <a:ext uri="{FF2B5EF4-FFF2-40B4-BE49-F238E27FC236}">
+                <a16:creationId xmlns:a16="http://schemas.microsoft.com/office/drawing/2014/main" id="{761DFDC9-C48D-3CD0-D499-39FDF79AA464}"/>
+              </a:ext>
+            </a:extLst>
+          </p:cNvPr>
+          <p:cNvSpPr>
+            <a:spLocks noGrp="1"/>
+          </p:cNvSpPr>
+          <p:nvPr>
+            <p:ph type="sldNum" sz="quarter" idx="5"/>
+          </p:nvPr>
+        </p:nvSpPr>
+        <p:spPr/>
+        <p:txBody>
+          <a:bodyPr/>
+          <a:lstStyle/>
+          <a:p>
+            <a:fld id="{1E9F7178-10E6-4B08-A988-6735E72E923E}" type="slidenum">
+              <a:rPr lang="en-MY" smtClean="0"/>
+              <a:t>5</a:t>
+            </a:fld>
+            <a:endParaRPr lang="en-MY"/>
+          </a:p>
+        </p:txBody>
+      </p:sp>
+    </p:spTree>
+    <p:extLst>
+      <p:ext uri="{BB962C8B-B14F-4D97-AF65-F5344CB8AC3E}">
+        <p14:creationId xmlns:p14="http://schemas.microsoft.com/office/powerpoint/2010/main" val="2011493901"/>
+      </p:ext>
+    </p:extLst>
+  </p:cSld>
+  <p:clrMapOvr>
+    <a:masterClrMapping/>
+  </p:clrMapOvr>
+</p:notes>
+</file>
+
+<file path=ppt/notesSlides/notesSlide6.xml><?xml version="1.0" encoding="utf-8"?>
+<p:notes xmlns:a="http://schemas.openxmlformats.org/drawingml/2006/main" xmlns:r="http://schemas.openxmlformats.org/officeDocument/2006/relationships" xmlns:p="http://schemas.openxmlformats.org/presentationml/2006/main">
+  <p:cSld>
+    <p:spTree>
+      <p:nvGrpSpPr>
+        <p:cNvPr id="1" name="">
+          <a:extLst>
+            <a:ext uri="{FF2B5EF4-FFF2-40B4-BE49-F238E27FC236}">
+              <a16:creationId xmlns:a16="http://schemas.microsoft.com/office/drawing/2014/main" id="{4F96B4A6-C26B-C9A1-FA75-03D3E7FC4F91}"/>
+            </a:ext>
+          </a:extLst>
+        </p:cNvPr>
+        <p:cNvGrpSpPr/>
+        <p:nvPr/>
+      </p:nvGrpSpPr>
+      <p:grpSpPr>
+        <a:xfrm>
+          <a:off x="0" y="0"/>
+          <a:ext cx="0" cy="0"/>
+          <a:chOff x="0" y="0"/>
+          <a:chExt cx="0" cy="0"/>
+        </a:xfrm>
+      </p:grpSpPr>
+      <p:sp>
+        <p:nvSpPr>
+          <p:cNvPr id="2" name="Slide Image Placeholder 1">
+            <a:extLst>
+              <a:ext uri="{FF2B5EF4-FFF2-40B4-BE49-F238E27FC236}">
+                <a16:creationId xmlns:a16="http://schemas.microsoft.com/office/drawing/2014/main" id="{7C03FF34-F599-4CF5-CC4C-9400A7735159}"/>
+              </a:ext>
+            </a:extLst>
+          </p:cNvPr>
+          <p:cNvSpPr>
+            <a:spLocks noGrp="1" noRot="1" noChangeAspect="1"/>
+          </p:cNvSpPr>
+          <p:nvPr>
+            <p:ph type="sldImg"/>
+          </p:nvPr>
+        </p:nvSpPr>
+        <p:spPr/>
+      </p:sp>
+      <mc:AlternateContent xmlns:mc="http://schemas.openxmlformats.org/markup-compatibility/2006" xmlns:a14="http://schemas.microsoft.com/office/drawing/2010/main">
+        <mc:Choice Requires="a14">
+          <p:sp>
+            <p:nvSpPr>
+              <p:cNvPr id="3" name="Notes Placeholder 2">
+                <a:extLst>
+                  <a:ext uri="{FF2B5EF4-FFF2-40B4-BE49-F238E27FC236}">
+                    <a16:creationId xmlns:a16="http://schemas.microsoft.com/office/drawing/2014/main" id="{20DBD38A-66A0-597C-D17C-D033517F3CCC}"/>
+                  </a:ext>
+                </a:extLst>
+              </p:cNvPr>
+              <p:cNvSpPr>
+                <a:spLocks noGrp="1"/>
+              </p:cNvSpPr>
+              <p:nvPr>
+                <p:ph type="body" idx="1"/>
+              </p:nvPr>
+            </p:nvSpPr>
+            <p:spPr/>
+            <p:txBody>
+              <a:bodyPr/>
+              <a:lstStyle/>
+              <a:p>
+                <a:r>
+                  <a:rPr lang="en-US" dirty="0"/>
+                  <a:t>[</a:t>
+                </a:r>
+                <a:r>
+                  <a:rPr lang="pt-BR" dirty="0"/>
+                  <a:t>(a) −2.42 × </a:t>
+                </a:r>
+                <a14:m>
+                  <m:oMath xmlns:m="http://schemas.openxmlformats.org/officeDocument/2006/math">
+                    <m:sSup>
+                      <m:sSupPr>
+                        <m:ctrlPr>
+                          <a:rPr lang="pt-BR" i="1" dirty="0" smtClean="0">
+                            <a:latin typeface="Cambria Math" panose="02040503050406030204" pitchFamily="18" charset="0"/>
+                          </a:rPr>
+                        </m:ctrlPr>
+                      </m:sSupPr>
+                      <m:e>
+                        <m:r>
+                          <a:rPr lang="pt-BR" i="1" dirty="0" smtClean="0">
+                            <a:latin typeface="Cambria Math" panose="02040503050406030204" pitchFamily="18" charset="0"/>
+                          </a:rPr>
+                          <m:t>10</m:t>
+                        </m:r>
+                      </m:e>
+                      <m:sup>
+                        <m:r>
+                          <a:rPr lang="pt-BR" i="1" dirty="0" smtClean="0">
+                            <a:latin typeface="Cambria Math" panose="02040503050406030204" pitchFamily="18" charset="0"/>
+                          </a:rPr>
+                          <m:t>6</m:t>
+                        </m:r>
+                      </m:sup>
+                    </m:sSup>
+                  </m:oMath>
+                </a14:m>
+                <a:r>
+                  <a:rPr lang="pt-BR" dirty="0"/>
+                  <a:t> V (b) 123.25 × </a:t>
+                </a:r>
+                <a14:m>
+                  <m:oMath xmlns:m="http://schemas.openxmlformats.org/officeDocument/2006/math">
+                    <m:sSup>
+                      <m:sSupPr>
+                        <m:ctrlPr>
+                          <a:rPr lang="pt-BR" i="1" dirty="0" smtClean="0">
+                            <a:latin typeface="Cambria Math" panose="02040503050406030204" pitchFamily="18" charset="0"/>
+                          </a:rPr>
+                        </m:ctrlPr>
+                      </m:sSupPr>
+                      <m:e>
+                        <m:r>
+                          <a:rPr lang="pt-BR" i="1" dirty="0" smtClean="0">
+                            <a:latin typeface="Cambria Math" panose="02040503050406030204" pitchFamily="18" charset="0"/>
+                          </a:rPr>
+                          <m:t>10</m:t>
+                        </m:r>
+                      </m:e>
+                      <m:sup>
+                        <m:r>
+                          <a:rPr lang="pt-BR" i="1" dirty="0" smtClean="0">
+                            <a:latin typeface="Cambria Math" panose="02040503050406030204" pitchFamily="18" charset="0"/>
+                          </a:rPr>
+                          <m:t>6</m:t>
+                        </m:r>
+                      </m:sup>
+                    </m:sSup>
+                  </m:oMath>
+                </a14:m>
+                <a:r>
+                  <a:rPr lang="pt-BR" dirty="0"/>
+                  <a:t> N C−1, −75.1°</a:t>
+                </a:r>
+                <a:r>
+                  <a:rPr lang="en-US" dirty="0"/>
+                  <a:t>]</a:t>
+                </a:r>
+                <a:endParaRPr lang="en-MY" dirty="0"/>
+              </a:p>
+            </p:txBody>
+          </p:sp>
+        </mc:Choice>
+        <mc:Fallback xmlns="">
+          <p:sp>
+            <p:nvSpPr>
+              <p:cNvPr id="3" name="Notes Placeholder 2"/>
+              <p:cNvSpPr>
+                <a:spLocks noGrp="1"/>
+              </p:cNvSpPr>
+              <p:nvPr>
+                <p:ph type="body" idx="1"/>
+              </p:nvPr>
+            </p:nvSpPr>
+            <p:spPr/>
+            <p:txBody>
+              <a:bodyPr/>
+              <a:lstStyle/>
+              <a:p>
+                <a:r>
+                  <a:rPr lang="en-US" dirty="0"/>
+                  <a:t>[</a:t>
+                </a:r>
+                <a:r>
+                  <a:rPr lang="pt-BR" dirty="0"/>
+                  <a:t>(a) −2.42 × </a:t>
+                </a:r>
+                <a:r>
+                  <a:rPr lang="pt-BR" i="0" dirty="0">
+                    <a:latin typeface="Cambria Math" panose="02040503050406030204" pitchFamily="18" charset="0"/>
+                  </a:rPr>
+                  <a:t>10^6</a:t>
+                </a:r>
+                <a:r>
+                  <a:rPr lang="pt-BR" dirty="0"/>
+                  <a:t> V (b) 123.25 × </a:t>
+                </a:r>
+                <a:r>
+                  <a:rPr lang="pt-BR" i="0" dirty="0">
+                    <a:latin typeface="Cambria Math" panose="02040503050406030204" pitchFamily="18" charset="0"/>
+                  </a:rPr>
+                  <a:t>10^6</a:t>
+                </a:r>
+                <a:r>
+                  <a:rPr lang="pt-BR" dirty="0"/>
+                  <a:t> N C−1, −75.1°</a:t>
+                </a:r>
+                <a:r>
+                  <a:rPr lang="en-US" dirty="0"/>
+                  <a:t>]</a:t>
+                </a:r>
+                <a:endParaRPr lang="en-MY" dirty="0"/>
+              </a:p>
+            </p:txBody>
+          </p:sp>
+        </mc:Fallback>
+      </mc:AlternateContent>
+      <p:sp>
+        <p:nvSpPr>
+          <p:cNvPr id="4" name="Slide Number Placeholder 3">
+            <a:extLst>
+              <a:ext uri="{FF2B5EF4-FFF2-40B4-BE49-F238E27FC236}">
+                <a16:creationId xmlns:a16="http://schemas.microsoft.com/office/drawing/2014/main" id="{96627F47-B68B-D753-D852-A20E35B1CC68}"/>
+              </a:ext>
+            </a:extLst>
+          </p:cNvPr>
+          <p:cNvSpPr>
+            <a:spLocks noGrp="1"/>
+          </p:cNvSpPr>
+          <p:nvPr>
+            <p:ph type="sldNum" sz="quarter" idx="5"/>
+          </p:nvPr>
+        </p:nvSpPr>
+        <p:spPr/>
+        <p:txBody>
+          <a:bodyPr/>
+          <a:lstStyle/>
+          <a:p>
+            <a:fld id="{1E9F7178-10E6-4B08-A988-6735E72E923E}" type="slidenum">
+              <a:rPr lang="en-MY" smtClean="0"/>
+              <a:t>6</a:t>
+            </a:fld>
+            <a:endParaRPr lang="en-MY"/>
+          </a:p>
+        </p:txBody>
+      </p:sp>
+    </p:spTree>
+    <p:extLst>
+      <p:ext uri="{BB962C8B-B14F-4D97-AF65-F5344CB8AC3E}">
+        <p14:creationId xmlns:p14="http://schemas.microsoft.com/office/powerpoint/2010/main" val="1312474960"/>
+      </p:ext>
+    </p:extLst>
+  </p:cSld>
+  <p:clrMapOvr>
+    <a:masterClrMapping/>
+  </p:clrMapOvr>
+</p:notes>
+</file>
+
+<file path=ppt/notesSlides/notesSlide7.xml><?xml version="1.0" encoding="utf-8"?>
+<p:notes xmlns:a="http://schemas.openxmlformats.org/drawingml/2006/main" xmlns:r="http://schemas.openxmlformats.org/officeDocument/2006/relationships" xmlns:p="http://schemas.openxmlformats.org/presentationml/2006/main">
+  <p:cSld>
+    <p:spTree>
+      <p:nvGrpSpPr>
+        <p:cNvPr id="1" name="">
+          <a:extLst>
+            <a:ext uri="{FF2B5EF4-FFF2-40B4-BE49-F238E27FC236}">
+              <a16:creationId xmlns:a16="http://schemas.microsoft.com/office/drawing/2014/main" id="{A7327D80-04C2-2257-478D-54A652EE7E0D}"/>
+            </a:ext>
+          </a:extLst>
+        </p:cNvPr>
+        <p:cNvGrpSpPr/>
+        <p:nvPr/>
+      </p:nvGrpSpPr>
+      <p:grpSpPr>
+        <a:xfrm>
+          <a:off x="0" y="0"/>
+          <a:ext cx="0" cy="0"/>
+          <a:chOff x="0" y="0"/>
+          <a:chExt cx="0" cy="0"/>
+        </a:xfrm>
+      </p:grpSpPr>
+      <p:sp>
+        <p:nvSpPr>
+          <p:cNvPr id="2" name="Slide Image Placeholder 1">
+            <a:extLst>
+              <a:ext uri="{FF2B5EF4-FFF2-40B4-BE49-F238E27FC236}">
+                <a16:creationId xmlns:a16="http://schemas.microsoft.com/office/drawing/2014/main" id="{1C18F84A-0255-1CF3-B8AC-5B0E060BDC77}"/>
+              </a:ext>
+            </a:extLst>
+          </p:cNvPr>
+          <p:cNvSpPr>
+            <a:spLocks noGrp="1" noRot="1" noChangeAspect="1"/>
+          </p:cNvSpPr>
+          <p:nvPr>
+            <p:ph type="sldImg"/>
+          </p:nvPr>
+        </p:nvSpPr>
+        <p:spPr/>
+      </p:sp>
+      <mc:AlternateContent xmlns:mc="http://schemas.openxmlformats.org/markup-compatibility/2006" xmlns:a14="http://schemas.microsoft.com/office/drawing/2010/main">
+        <mc:Choice Requires="a14">
+          <p:sp>
+            <p:nvSpPr>
+              <p:cNvPr id="3" name="Notes Placeholder 2">
+                <a:extLst>
+                  <a:ext uri="{FF2B5EF4-FFF2-40B4-BE49-F238E27FC236}">
+                    <a16:creationId xmlns:a16="http://schemas.microsoft.com/office/drawing/2014/main" id="{70E9379D-6C4E-4E74-CF4F-FC4B4A99E720}"/>
+                  </a:ext>
+                </a:extLst>
+              </p:cNvPr>
+              <p:cNvSpPr>
+                <a:spLocks noGrp="1"/>
+              </p:cNvSpPr>
+              <p:nvPr>
+                <p:ph type="body" idx="1"/>
+              </p:nvPr>
+            </p:nvSpPr>
+            <p:spPr/>
+            <p:txBody>
+              <a:bodyPr/>
+              <a:lstStyle/>
+              <a:p>
+                <a:r>
+                  <a:rPr lang="en-US" dirty="0"/>
+                  <a:t>[</a:t>
+                </a:r>
+                <a:r>
+                  <a:rPr lang="pt-BR" dirty="0"/>
+                  <a:t>(a) −2.42 × </a:t>
+                </a:r>
+                <a14:m>
+                  <m:oMath xmlns:m="http://schemas.openxmlformats.org/officeDocument/2006/math">
+                    <m:sSup>
+                      <m:sSupPr>
+                        <m:ctrlPr>
+                          <a:rPr lang="pt-BR" i="1" dirty="0" smtClean="0">
+                            <a:latin typeface="Cambria Math" panose="02040503050406030204" pitchFamily="18" charset="0"/>
+                          </a:rPr>
+                        </m:ctrlPr>
+                      </m:sSupPr>
+                      <m:e>
+                        <m:r>
+                          <a:rPr lang="pt-BR" i="1" dirty="0" smtClean="0">
+                            <a:latin typeface="Cambria Math" panose="02040503050406030204" pitchFamily="18" charset="0"/>
+                          </a:rPr>
+                          <m:t>10</m:t>
+                        </m:r>
+                      </m:e>
+                      <m:sup>
+                        <m:r>
+                          <a:rPr lang="pt-BR" i="1" dirty="0" smtClean="0">
+                            <a:latin typeface="Cambria Math" panose="02040503050406030204" pitchFamily="18" charset="0"/>
+                          </a:rPr>
+                          <m:t>6</m:t>
+                        </m:r>
+                      </m:sup>
+                    </m:sSup>
+                  </m:oMath>
+                </a14:m>
+                <a:r>
+                  <a:rPr lang="pt-BR" dirty="0"/>
+                  <a:t> V (b) 123.25 × </a:t>
+                </a:r>
+                <a14:m>
+                  <m:oMath xmlns:m="http://schemas.openxmlformats.org/officeDocument/2006/math">
+                    <m:sSup>
+                      <m:sSupPr>
+                        <m:ctrlPr>
+                          <a:rPr lang="pt-BR" i="1" dirty="0" smtClean="0">
+                            <a:latin typeface="Cambria Math" panose="02040503050406030204" pitchFamily="18" charset="0"/>
+                          </a:rPr>
+                        </m:ctrlPr>
+                      </m:sSupPr>
+                      <m:e>
+                        <m:r>
+                          <a:rPr lang="pt-BR" i="1" dirty="0" smtClean="0">
+                            <a:latin typeface="Cambria Math" panose="02040503050406030204" pitchFamily="18" charset="0"/>
+                          </a:rPr>
+                          <m:t>10</m:t>
+                        </m:r>
+                      </m:e>
+                      <m:sup>
+                        <m:r>
+                          <a:rPr lang="pt-BR" i="1" dirty="0" smtClean="0">
+                            <a:latin typeface="Cambria Math" panose="02040503050406030204" pitchFamily="18" charset="0"/>
+                          </a:rPr>
+                          <m:t>6</m:t>
+                        </m:r>
+                      </m:sup>
+                    </m:sSup>
+                  </m:oMath>
+                </a14:m>
+                <a:r>
+                  <a:rPr lang="pt-BR" dirty="0"/>
+                  <a:t> N C−1, −75.1°</a:t>
+                </a:r>
+                <a:r>
+                  <a:rPr lang="en-US" dirty="0"/>
+                  <a:t>]</a:t>
+                </a:r>
+                <a:endParaRPr lang="en-MY" dirty="0"/>
+              </a:p>
+            </p:txBody>
+          </p:sp>
+        </mc:Choice>
+        <mc:Fallback xmlns="">
+          <p:sp>
+            <p:nvSpPr>
+              <p:cNvPr id="3" name="Notes Placeholder 2"/>
+              <p:cNvSpPr>
+                <a:spLocks noGrp="1"/>
+              </p:cNvSpPr>
+              <p:nvPr>
+                <p:ph type="body" idx="1"/>
+              </p:nvPr>
+            </p:nvSpPr>
+            <p:spPr/>
+            <p:txBody>
+              <a:bodyPr/>
+              <a:lstStyle/>
+              <a:p>
+                <a:r>
+                  <a:rPr lang="en-US" dirty="0"/>
+                  <a:t>[</a:t>
+                </a:r>
+                <a:r>
+                  <a:rPr lang="pt-BR" dirty="0"/>
+                  <a:t>(a) −2.42 × </a:t>
+                </a:r>
+                <a:r>
+                  <a:rPr lang="pt-BR" i="0" dirty="0">
+                    <a:latin typeface="Cambria Math" panose="02040503050406030204" pitchFamily="18" charset="0"/>
+                  </a:rPr>
+                  <a:t>10^6</a:t>
+                </a:r>
+                <a:r>
+                  <a:rPr lang="pt-BR" dirty="0"/>
+                  <a:t> V (b) 123.25 × </a:t>
+                </a:r>
+                <a:r>
+                  <a:rPr lang="pt-BR" i="0" dirty="0">
+                    <a:latin typeface="Cambria Math" panose="02040503050406030204" pitchFamily="18" charset="0"/>
+                  </a:rPr>
+                  <a:t>10^6</a:t>
+                </a:r>
+                <a:r>
+                  <a:rPr lang="pt-BR" dirty="0"/>
+                  <a:t> N C−1, −75.1°</a:t>
+                </a:r>
+                <a:r>
+                  <a:rPr lang="en-US" dirty="0"/>
+                  <a:t>]</a:t>
+                </a:r>
+                <a:endParaRPr lang="en-MY" dirty="0"/>
+              </a:p>
+            </p:txBody>
+          </p:sp>
+        </mc:Fallback>
+      </mc:AlternateContent>
+      <p:sp>
+        <p:nvSpPr>
+          <p:cNvPr id="4" name="Slide Number Placeholder 3">
+            <a:extLst>
+              <a:ext uri="{FF2B5EF4-FFF2-40B4-BE49-F238E27FC236}">
+                <a16:creationId xmlns:a16="http://schemas.microsoft.com/office/drawing/2014/main" id="{D940A103-0BA6-D541-47AD-BBD00991BC90}"/>
+              </a:ext>
+            </a:extLst>
+          </p:cNvPr>
+          <p:cNvSpPr>
+            <a:spLocks noGrp="1"/>
+          </p:cNvSpPr>
+          <p:nvPr>
+            <p:ph type="sldNum" sz="quarter" idx="5"/>
+          </p:nvPr>
+        </p:nvSpPr>
+        <p:spPr/>
+        <p:txBody>
+          <a:bodyPr/>
+          <a:lstStyle/>
+          <a:p>
+            <a:fld id="{1E9F7178-10E6-4B08-A988-6735E72E923E}" type="slidenum">
+              <a:rPr lang="en-MY" smtClean="0"/>
+              <a:t>7</a:t>
+            </a:fld>
+            <a:endParaRPr lang="en-MY"/>
+          </a:p>
+        </p:txBody>
+      </p:sp>
+    </p:spTree>
+    <p:extLst>
+      <p:ext uri="{BB962C8B-B14F-4D97-AF65-F5344CB8AC3E}">
+        <p14:creationId xmlns:p14="http://schemas.microsoft.com/office/powerpoint/2010/main" val="1481446040"/>
       </p:ext>
     </p:extLst>
   </p:cSld>
@@ -815,7 +2273,7 @@
           <a:p>
             <a:fld id="{1C12018E-1D6F-4112-AB1F-E258A5F3D156}" type="datetimeFigureOut">
               <a:rPr lang="en-MY" smtClean="0"/>
-              <a:t>21/3/2025</a:t>
+              <a:t>24/3/2025</a:t>
             </a:fld>
             <a:endParaRPr lang="en-MY"/>
           </a:p>
@@ -985,7 +2443,7 @@
           <a:p>
             <a:fld id="{1C12018E-1D6F-4112-AB1F-E258A5F3D156}" type="datetimeFigureOut">
               <a:rPr lang="en-MY" smtClean="0"/>
-              <a:t>21/3/2025</a:t>
+              <a:t>24/3/2025</a:t>
             </a:fld>
             <a:endParaRPr lang="en-MY"/>
           </a:p>
@@ -1165,7 +2623,7 @@
           <a:p>
             <a:fld id="{1C12018E-1D6F-4112-AB1F-E258A5F3D156}" type="datetimeFigureOut">
               <a:rPr lang="en-MY" smtClean="0"/>
-              <a:t>21/3/2025</a:t>
+              <a:t>24/3/2025</a:t>
             </a:fld>
             <a:endParaRPr lang="en-MY"/>
           </a:p>
@@ -1335,7 +2793,7 @@
           <a:p>
             <a:fld id="{1C12018E-1D6F-4112-AB1F-E258A5F3D156}" type="datetimeFigureOut">
               <a:rPr lang="en-MY" smtClean="0"/>
-              <a:t>21/3/2025</a:t>
+              <a:t>24/3/2025</a:t>
             </a:fld>
             <a:endParaRPr lang="en-MY"/>
           </a:p>
@@ -1579,7 +3037,7 @@
           <a:p>
             <a:fld id="{1C12018E-1D6F-4112-AB1F-E258A5F3D156}" type="datetimeFigureOut">
               <a:rPr lang="en-MY" smtClean="0"/>
-              <a:t>21/3/2025</a:t>
+              <a:t>24/3/2025</a:t>
             </a:fld>
             <a:endParaRPr lang="en-MY"/>
           </a:p>
@@ -1811,7 +3269,7 @@
           <a:p>
             <a:fld id="{1C12018E-1D6F-4112-AB1F-E258A5F3D156}" type="datetimeFigureOut">
               <a:rPr lang="en-MY" smtClean="0"/>
-              <a:t>21/3/2025</a:t>
+              <a:t>24/3/2025</a:t>
             </a:fld>
             <a:endParaRPr lang="en-MY"/>
           </a:p>
@@ -2178,7 +3636,7 @@
           <a:p>
             <a:fld id="{1C12018E-1D6F-4112-AB1F-E258A5F3D156}" type="datetimeFigureOut">
               <a:rPr lang="en-MY" smtClean="0"/>
-              <a:t>21/3/2025</a:t>
+              <a:t>24/3/2025</a:t>
             </a:fld>
             <a:endParaRPr lang="en-MY"/>
           </a:p>
@@ -2296,7 +3754,7 @@
           <a:p>
             <a:fld id="{1C12018E-1D6F-4112-AB1F-E258A5F3D156}" type="datetimeFigureOut">
               <a:rPr lang="en-MY" smtClean="0"/>
-              <a:t>21/3/2025</a:t>
+              <a:t>24/3/2025</a:t>
             </a:fld>
             <a:endParaRPr lang="en-MY"/>
           </a:p>
@@ -2391,7 +3849,7 @@
           <a:p>
             <a:fld id="{1C12018E-1D6F-4112-AB1F-E258A5F3D156}" type="datetimeFigureOut">
               <a:rPr lang="en-MY" smtClean="0"/>
-              <a:t>21/3/2025</a:t>
+              <a:t>24/3/2025</a:t>
             </a:fld>
             <a:endParaRPr lang="en-MY"/>
           </a:p>
@@ -2668,7 +4126,7 @@
           <a:p>
             <a:fld id="{1C12018E-1D6F-4112-AB1F-E258A5F3D156}" type="datetimeFigureOut">
               <a:rPr lang="en-MY" smtClean="0"/>
-              <a:t>21/3/2025</a:t>
+              <a:t>24/3/2025</a:t>
             </a:fld>
             <a:endParaRPr lang="en-MY"/>
           </a:p>
@@ -2925,7 +4383,7 @@
           <a:p>
             <a:fld id="{1C12018E-1D6F-4112-AB1F-E258A5F3D156}" type="datetimeFigureOut">
               <a:rPr lang="en-MY" smtClean="0"/>
-              <a:t>21/3/2025</a:t>
+              <a:t>24/3/2025</a:t>
             </a:fld>
             <a:endParaRPr lang="en-MY"/>
           </a:p>
@@ -3138,7 +4596,7 @@
           <a:p>
             <a:fld id="{1C12018E-1D6F-4112-AB1F-E258A5F3D156}" type="datetimeFigureOut">
               <a:rPr lang="en-MY" smtClean="0"/>
-              <a:t>21/3/2025</a:t>
+              <a:t>24/3/2025</a:t>
             </a:fld>
             <a:endParaRPr lang="en-MY"/>
           </a:p>
@@ -3543,10 +5001,462 @@
           <a:chExt cx="0" cy="0"/>
         </a:xfrm>
       </p:grpSpPr>
+      <p:pic>
+        <p:nvPicPr>
+          <p:cNvPr id="8" name="Picture 7">
+            <a:extLst>
+              <a:ext uri="{FF2B5EF4-FFF2-40B4-BE49-F238E27FC236}">
+                <a16:creationId xmlns:a16="http://schemas.microsoft.com/office/drawing/2014/main" id="{D05048AB-461A-99BC-E2ED-D406DEC5ACFE}"/>
+              </a:ext>
+            </a:extLst>
+          </p:cNvPr>
+          <p:cNvPicPr>
+            <a:picLocks noChangeAspect="1"/>
+          </p:cNvPicPr>
+          <p:nvPr/>
+        </p:nvPicPr>
+        <p:blipFill>
+          <a:blip r:embed="rId3"/>
+          <a:stretch>
+            <a:fillRect/>
+          </a:stretch>
+        </p:blipFill>
+        <p:spPr>
+          <a:xfrm rot="5400000">
+            <a:off x="578485" y="-309935"/>
+            <a:ext cx="3794760" cy="4954270"/>
+          </a:xfrm>
+          <a:prstGeom prst="rect">
+            <a:avLst/>
+          </a:prstGeom>
+        </p:spPr>
+      </p:pic>
+      <p:pic>
+        <p:nvPicPr>
+          <p:cNvPr id="10" name="Picture 9">
+            <a:extLst>
+              <a:ext uri="{FF2B5EF4-FFF2-40B4-BE49-F238E27FC236}">
+                <a16:creationId xmlns:a16="http://schemas.microsoft.com/office/drawing/2014/main" id="{66EBA8FE-D389-8EBF-B66F-40DC5D615566}"/>
+              </a:ext>
+            </a:extLst>
+          </p:cNvPr>
+          <p:cNvPicPr>
+            <a:picLocks noChangeAspect="1"/>
+          </p:cNvPicPr>
+          <p:nvPr/>
+        </p:nvPicPr>
+        <p:blipFill>
+          <a:blip r:embed="rId4"/>
+          <a:stretch>
+            <a:fillRect/>
+          </a:stretch>
+        </p:blipFill>
+        <p:spPr>
+          <a:xfrm rot="5400000">
+            <a:off x="5930025" y="-710251"/>
+            <a:ext cx="2995903" cy="4956048"/>
+          </a:xfrm>
+          <a:prstGeom prst="rect">
+            <a:avLst/>
+          </a:prstGeom>
+        </p:spPr>
+      </p:pic>
+      <mc:AlternateContent xmlns:mc="http://schemas.openxmlformats.org/markup-compatibility/2006">
+        <mc:Choice xmlns:a14="http://schemas.microsoft.com/office/drawing/2010/main" Requires="a14">
+          <p:sp>
+            <p:nvSpPr>
+              <p:cNvPr id="3" name="TextBox 2">
+                <a:extLst>
+                  <a:ext uri="{FF2B5EF4-FFF2-40B4-BE49-F238E27FC236}">
+                    <a16:creationId xmlns:a16="http://schemas.microsoft.com/office/drawing/2014/main" id="{A7185EC5-F2AD-25E9-96CB-BAECD38B1FBE}"/>
+                  </a:ext>
+                </a:extLst>
+              </p:cNvPr>
+              <p:cNvSpPr txBox="1"/>
+              <p:nvPr/>
+            </p:nvSpPr>
+            <p:spPr>
+              <a:xfrm>
+                <a:off x="4949952" y="4064580"/>
+                <a:ext cx="4956048" cy="923330"/>
+              </a:xfrm>
+              <a:prstGeom prst="rect">
+                <a:avLst/>
+              </a:prstGeom>
+              <a:noFill/>
+            </p:spPr>
+            <p:txBody>
+              <a:bodyPr wrap="square">
+                <a:spAutoFit/>
+              </a:bodyPr>
+              <a:lstStyle/>
+              <a:p>
+                <a:pPr algn="r"/>
+                <a:r>
+                  <a:rPr lang="en-US" b="1" dirty="0"/>
+                  <a:t>[</a:t>
+                </a:r>
+                <a14:m>
+                  <m:oMath xmlns:m="http://schemas.openxmlformats.org/officeDocument/2006/math">
+                    <m:r>
+                      <a:rPr lang="en-US" b="1" i="1" smtClean="0">
+                        <a:latin typeface="Cambria Math" panose="02040503050406030204" pitchFamily="18" charset="0"/>
+                      </a:rPr>
+                      <m:t>𝟐𝟔</m:t>
+                    </m:r>
+                    <m:r>
+                      <a:rPr lang="en-US" b="1" i="1" smtClean="0">
+                        <a:latin typeface="Cambria Math" panose="02040503050406030204" pitchFamily="18" charset="0"/>
+                      </a:rPr>
+                      <m:t>.</m:t>
+                    </m:r>
+                    <m:r>
+                      <a:rPr lang="en-US" b="1" i="1" smtClean="0">
+                        <a:latin typeface="Cambria Math" panose="02040503050406030204" pitchFamily="18" charset="0"/>
+                      </a:rPr>
+                      <m:t>𝟏𝟕</m:t>
+                    </m:r>
+                    <m:r>
+                      <a:rPr lang="en-US" b="1" i="0" smtClean="0">
+                        <a:latin typeface="Cambria Math" panose="02040503050406030204" pitchFamily="18" charset="0"/>
+                      </a:rPr>
+                      <m:t>𝛀</m:t>
+                    </m:r>
+                  </m:oMath>
+                </a14:m>
+                <a:r>
+                  <a:rPr lang="en-US" b="1" dirty="0"/>
+                  <a:t>, 5.73V]</a:t>
+                </a:r>
+              </a:p>
+              <a:p>
+                <a:pPr algn="r"/>
+                <a:r>
+                  <a:rPr lang="en-US" b="1" dirty="0"/>
+                  <a:t>[</a:t>
+                </a:r>
+                <a14:m>
+                  <m:oMath xmlns:m="http://schemas.openxmlformats.org/officeDocument/2006/math">
+                    <m:sSup>
+                      <m:sSupPr>
+                        <m:ctrlPr>
+                          <a:rPr lang="en-US" b="1" i="1" dirty="0" smtClean="0">
+                            <a:latin typeface="Cambria Math" panose="02040503050406030204" pitchFamily="18" charset="0"/>
+                          </a:rPr>
+                        </m:ctrlPr>
+                      </m:sSupPr>
+                      <m:e>
+                        <m:r>
+                          <a:rPr lang="en-US" b="1" i="1" dirty="0" smtClean="0">
+                            <a:latin typeface="Cambria Math" panose="02040503050406030204" pitchFamily="18" charset="0"/>
+                          </a:rPr>
+                          <m:t>𝟐𝟖𝟏</m:t>
+                        </m:r>
+                        <m:r>
+                          <a:rPr lang="en-US" b="1" i="1" dirty="0" smtClean="0">
+                            <a:latin typeface="Cambria Math" panose="02040503050406030204" pitchFamily="18" charset="0"/>
+                          </a:rPr>
+                          <m:t>.</m:t>
+                        </m:r>
+                        <m:r>
+                          <a:rPr lang="en-US" b="1" i="1" dirty="0" smtClean="0">
+                            <a:latin typeface="Cambria Math" panose="02040503050406030204" pitchFamily="18" charset="0"/>
+                          </a:rPr>
+                          <m:t>𝟒𝟑</m:t>
+                        </m:r>
+                      </m:e>
+                      <m:sup>
+                        <m:r>
+                          <a:rPr lang="en-US" b="1" i="1" dirty="0" smtClean="0">
+                            <a:latin typeface="Cambria Math" panose="02040503050406030204" pitchFamily="18" charset="0"/>
+                          </a:rPr>
+                          <m:t>𝒐</m:t>
+                        </m:r>
+                      </m:sup>
+                    </m:sSup>
+                  </m:oMath>
+                </a14:m>
+                <a:r>
+                  <a:rPr lang="en-US" b="1" dirty="0"/>
+                  <a:t>]</a:t>
+                </a:r>
+              </a:p>
+              <a:p>
+                <a:pPr algn="r"/>
+                <a:r>
+                  <a:rPr lang="en-US" b="1" dirty="0"/>
+                  <a:t>[0.43V, 28.67cm]</a:t>
+                </a:r>
+                <a:endParaRPr lang="en-MY" b="1" dirty="0"/>
+              </a:p>
+            </p:txBody>
+          </p:sp>
+        </mc:Choice>
+        <mc:Fallback>
+          <p:sp>
+            <p:nvSpPr>
+              <p:cNvPr id="3" name="TextBox 2">
+                <a:extLst>
+                  <a:ext uri="{FF2B5EF4-FFF2-40B4-BE49-F238E27FC236}">
+                    <a16:creationId xmlns:a16="http://schemas.microsoft.com/office/drawing/2014/main" id="{A7185EC5-F2AD-25E9-96CB-BAECD38B1FBE}"/>
+                  </a:ext>
+                </a:extLst>
+              </p:cNvPr>
+              <p:cNvSpPr txBox="1">
+                <a:spLocks noRot="1" noChangeAspect="1" noMove="1" noResize="1" noEditPoints="1" noAdjustHandles="1" noChangeArrowheads="1" noChangeShapeType="1" noTextEdit="1"/>
+              </p:cNvSpPr>
+              <p:nvPr/>
+            </p:nvSpPr>
+            <p:spPr>
+              <a:xfrm>
+                <a:off x="4949952" y="4064580"/>
+                <a:ext cx="4956048" cy="923330"/>
+              </a:xfrm>
+              <a:prstGeom prst="rect">
+                <a:avLst/>
+              </a:prstGeom>
+              <a:blipFill>
+                <a:blip r:embed="rId5"/>
+                <a:stretch>
+                  <a:fillRect t="-3974" r="-984" b="-9934"/>
+                </a:stretch>
+              </a:blipFill>
+            </p:spPr>
+            <p:txBody>
+              <a:bodyPr/>
+              <a:lstStyle/>
+              <a:p>
+                <a:r>
+                  <a:rPr lang="en-US">
+                    <a:noFill/>
+                  </a:rPr>
+                  <a:t> </a:t>
+                </a:r>
+              </a:p>
+            </p:txBody>
+          </p:sp>
+        </mc:Fallback>
+      </mc:AlternateContent>
     </p:spTree>
     <p:extLst>
       <p:ext uri="{BB962C8B-B14F-4D97-AF65-F5344CB8AC3E}">
         <p14:creationId xmlns:p14="http://schemas.microsoft.com/office/powerpoint/2010/main" val="446192004"/>
+      </p:ext>
+    </p:extLst>
+  </p:cSld>
+  <p:clrMapOvr>
+    <a:masterClrMapping/>
+  </p:clrMapOvr>
+</p:sld>
+</file>
+
+<file path=ppt/slides/slide2.xml><?xml version="1.0" encoding="utf-8"?>
+<p:sld xmlns:a="http://schemas.openxmlformats.org/drawingml/2006/main" xmlns:r="http://schemas.openxmlformats.org/officeDocument/2006/relationships" xmlns:p="http://schemas.openxmlformats.org/presentationml/2006/main">
+  <p:cSld>
+    <p:spTree>
+      <p:nvGrpSpPr>
+        <p:cNvPr id="1" name="">
+          <a:extLst>
+            <a:ext uri="{FF2B5EF4-FFF2-40B4-BE49-F238E27FC236}">
+              <a16:creationId xmlns:a16="http://schemas.microsoft.com/office/drawing/2014/main" id="{FC1B2761-341C-6BC5-B54A-C40967508D3E}"/>
+            </a:ext>
+          </a:extLst>
+        </p:cNvPr>
+        <p:cNvGrpSpPr/>
+        <p:nvPr/>
+      </p:nvGrpSpPr>
+      <p:grpSpPr>
+        <a:xfrm>
+          <a:off x="0" y="0"/>
+          <a:ext cx="0" cy="0"/>
+          <a:chOff x="0" y="0"/>
+          <a:chExt cx="0" cy="0"/>
+        </a:xfrm>
+      </p:grpSpPr>
+    </p:spTree>
+    <p:extLst>
+      <p:ext uri="{BB962C8B-B14F-4D97-AF65-F5344CB8AC3E}">
+        <p14:creationId xmlns:p14="http://schemas.microsoft.com/office/powerpoint/2010/main" val="3686227713"/>
+      </p:ext>
+    </p:extLst>
+  </p:cSld>
+  <p:clrMapOvr>
+    <a:masterClrMapping/>
+  </p:clrMapOvr>
+</p:sld>
+</file>
+
+<file path=ppt/slides/slide3.xml><?xml version="1.0" encoding="utf-8"?>
+<p:sld xmlns:a="http://schemas.openxmlformats.org/drawingml/2006/main" xmlns:r="http://schemas.openxmlformats.org/officeDocument/2006/relationships" xmlns:p="http://schemas.openxmlformats.org/presentationml/2006/main">
+  <p:cSld>
+    <p:spTree>
+      <p:nvGrpSpPr>
+        <p:cNvPr id="1" name="">
+          <a:extLst>
+            <a:ext uri="{FF2B5EF4-FFF2-40B4-BE49-F238E27FC236}">
+              <a16:creationId xmlns:a16="http://schemas.microsoft.com/office/drawing/2014/main" id="{9290A276-599C-4F0F-54E5-0D2F9D1DC5E8}"/>
+            </a:ext>
+          </a:extLst>
+        </p:cNvPr>
+        <p:cNvGrpSpPr/>
+        <p:nvPr/>
+      </p:nvGrpSpPr>
+      <p:grpSpPr>
+        <a:xfrm>
+          <a:off x="0" y="0"/>
+          <a:ext cx="0" cy="0"/>
+          <a:chOff x="0" y="0"/>
+          <a:chExt cx="0" cy="0"/>
+        </a:xfrm>
+      </p:grpSpPr>
+    </p:spTree>
+    <p:extLst>
+      <p:ext uri="{BB962C8B-B14F-4D97-AF65-F5344CB8AC3E}">
+        <p14:creationId xmlns:p14="http://schemas.microsoft.com/office/powerpoint/2010/main" val="3874236134"/>
+      </p:ext>
+    </p:extLst>
+  </p:cSld>
+  <p:clrMapOvr>
+    <a:masterClrMapping/>
+  </p:clrMapOvr>
+</p:sld>
+</file>
+
+<file path=ppt/slides/slide4.xml><?xml version="1.0" encoding="utf-8"?>
+<p:sld xmlns:a="http://schemas.openxmlformats.org/drawingml/2006/main" xmlns:r="http://schemas.openxmlformats.org/officeDocument/2006/relationships" xmlns:p="http://schemas.openxmlformats.org/presentationml/2006/main">
+  <p:cSld>
+    <p:spTree>
+      <p:nvGrpSpPr>
+        <p:cNvPr id="1" name="">
+          <a:extLst>
+            <a:ext uri="{FF2B5EF4-FFF2-40B4-BE49-F238E27FC236}">
+              <a16:creationId xmlns:a16="http://schemas.microsoft.com/office/drawing/2014/main" id="{0F01EEC0-4AD8-DFA0-CC77-3F343B87C57D}"/>
+            </a:ext>
+          </a:extLst>
+        </p:cNvPr>
+        <p:cNvGrpSpPr/>
+        <p:nvPr/>
+      </p:nvGrpSpPr>
+      <p:grpSpPr>
+        <a:xfrm>
+          <a:off x="0" y="0"/>
+          <a:ext cx="0" cy="0"/>
+          <a:chOff x="0" y="0"/>
+          <a:chExt cx="0" cy="0"/>
+        </a:xfrm>
+      </p:grpSpPr>
+    </p:spTree>
+    <p:extLst>
+      <p:ext uri="{BB962C8B-B14F-4D97-AF65-F5344CB8AC3E}">
+        <p14:creationId xmlns:p14="http://schemas.microsoft.com/office/powerpoint/2010/main" val="3374548842"/>
+      </p:ext>
+    </p:extLst>
+  </p:cSld>
+  <p:clrMapOvr>
+    <a:masterClrMapping/>
+  </p:clrMapOvr>
+</p:sld>
+</file>
+
+<file path=ppt/slides/slide5.xml><?xml version="1.0" encoding="utf-8"?>
+<p:sld xmlns:a="http://schemas.openxmlformats.org/drawingml/2006/main" xmlns:r="http://schemas.openxmlformats.org/officeDocument/2006/relationships" xmlns:p="http://schemas.openxmlformats.org/presentationml/2006/main">
+  <p:cSld>
+    <p:spTree>
+      <p:nvGrpSpPr>
+        <p:cNvPr id="1" name="">
+          <a:extLst>
+            <a:ext uri="{FF2B5EF4-FFF2-40B4-BE49-F238E27FC236}">
+              <a16:creationId xmlns:a16="http://schemas.microsoft.com/office/drawing/2014/main" id="{5DB18A88-E5BA-F87C-ADCD-CC77F08041A7}"/>
+            </a:ext>
+          </a:extLst>
+        </p:cNvPr>
+        <p:cNvGrpSpPr/>
+        <p:nvPr/>
+      </p:nvGrpSpPr>
+      <p:grpSpPr>
+        <a:xfrm>
+          <a:off x="0" y="0"/>
+          <a:ext cx="0" cy="0"/>
+          <a:chOff x="0" y="0"/>
+          <a:chExt cx="0" cy="0"/>
+        </a:xfrm>
+      </p:grpSpPr>
+    </p:spTree>
+    <p:extLst>
+      <p:ext uri="{BB962C8B-B14F-4D97-AF65-F5344CB8AC3E}">
+        <p14:creationId xmlns:p14="http://schemas.microsoft.com/office/powerpoint/2010/main" val="596915986"/>
+      </p:ext>
+    </p:extLst>
+  </p:cSld>
+  <p:clrMapOvr>
+    <a:masterClrMapping/>
+  </p:clrMapOvr>
+</p:sld>
+</file>
+
+<file path=ppt/slides/slide6.xml><?xml version="1.0" encoding="utf-8"?>
+<p:sld xmlns:a="http://schemas.openxmlformats.org/drawingml/2006/main" xmlns:r="http://schemas.openxmlformats.org/officeDocument/2006/relationships" xmlns:p="http://schemas.openxmlformats.org/presentationml/2006/main">
+  <p:cSld>
+    <p:spTree>
+      <p:nvGrpSpPr>
+        <p:cNvPr id="1" name="">
+          <a:extLst>
+            <a:ext uri="{FF2B5EF4-FFF2-40B4-BE49-F238E27FC236}">
+              <a16:creationId xmlns:a16="http://schemas.microsoft.com/office/drawing/2014/main" id="{BEE01945-DB4C-4DBA-9AA2-B7BCC4E324CB}"/>
+            </a:ext>
+          </a:extLst>
+        </p:cNvPr>
+        <p:cNvGrpSpPr/>
+        <p:nvPr/>
+      </p:nvGrpSpPr>
+      <p:grpSpPr>
+        <a:xfrm>
+          <a:off x="0" y="0"/>
+          <a:ext cx="0" cy="0"/>
+          <a:chOff x="0" y="0"/>
+          <a:chExt cx="0" cy="0"/>
+        </a:xfrm>
+      </p:grpSpPr>
+    </p:spTree>
+    <p:extLst>
+      <p:ext uri="{BB962C8B-B14F-4D97-AF65-F5344CB8AC3E}">
+        <p14:creationId xmlns:p14="http://schemas.microsoft.com/office/powerpoint/2010/main" val="3066139796"/>
+      </p:ext>
+    </p:extLst>
+  </p:cSld>
+  <p:clrMapOvr>
+    <a:masterClrMapping/>
+  </p:clrMapOvr>
+</p:sld>
+</file>
+
+<file path=ppt/slides/slide7.xml><?xml version="1.0" encoding="utf-8"?>
+<p:sld xmlns:a="http://schemas.openxmlformats.org/drawingml/2006/main" xmlns:r="http://schemas.openxmlformats.org/officeDocument/2006/relationships" xmlns:p="http://schemas.openxmlformats.org/presentationml/2006/main">
+  <p:cSld>
+    <p:spTree>
+      <p:nvGrpSpPr>
+        <p:cNvPr id="1" name="">
+          <a:extLst>
+            <a:ext uri="{FF2B5EF4-FFF2-40B4-BE49-F238E27FC236}">
+              <a16:creationId xmlns:a16="http://schemas.microsoft.com/office/drawing/2014/main" id="{B41CD4A0-9426-B72C-ECB0-FBBF3071DBCF}"/>
+            </a:ext>
+          </a:extLst>
+        </p:cNvPr>
+        <p:cNvGrpSpPr/>
+        <p:nvPr/>
+      </p:nvGrpSpPr>
+      <p:grpSpPr>
+        <a:xfrm>
+          <a:off x="0" y="0"/>
+          <a:ext cx="0" cy="0"/>
+          <a:chOff x="0" y="0"/>
+          <a:chExt cx="0" cy="0"/>
+        </a:xfrm>
+      </p:grpSpPr>
+    </p:spTree>
+    <p:extLst>
+      <p:ext uri="{BB962C8B-B14F-4D97-AF65-F5344CB8AC3E}">
+        <p14:creationId xmlns:p14="http://schemas.microsoft.com/office/powerpoint/2010/main" val="2405327036"/>
       </p:ext>
     </p:extLst>
   </p:cSld>
